--- a/final/基于spec的处理器性能数据分析.pptx
+++ b/final/基于spec的处理器性能数据分析.pptx
@@ -11488,19 +11488,17 @@
       </p:sp>
       <p:pic>
         <p:nvPicPr>
-          <p:cNvPr id="6" name="内容占位符 5">
+          <p:cNvPr id="9" name="图片 8">
             <a:extLst>
               <a:ext uri="{FF2B5EF4-FFF2-40B4-BE49-F238E27FC236}">
-                <a16:creationId xmlns:a16="http://schemas.microsoft.com/office/drawing/2014/main" id="{F03C93D8-9EFF-8F87-AC99-08F57E5591BD}"/>
+                <a16:creationId xmlns:a16="http://schemas.microsoft.com/office/drawing/2014/main" id="{36EFC8C7-D5D8-5366-4669-18DE46B05B33}"/>
               </a:ext>
             </a:extLst>
           </p:cNvPr>
           <p:cNvPicPr>
-            <a:picLocks noGrp="1" noChangeAspect="1"/>
+            <a:picLocks noChangeAspect="1"/>
           </p:cNvPicPr>
-          <p:nvPr>
-            <p:ph idx="1"/>
-          </p:nvPr>
+          <p:nvPr/>
         </p:nvPicPr>
         <p:blipFill>
           <a:blip r:embed="rId3">
@@ -11516,11 +11514,39 @@
         </p:blipFill>
         <p:spPr>
           <a:xfrm>
-            <a:off x="758230" y="2132856"/>
-            <a:ext cx="7017940" cy="2795076"/>
+            <a:off x="508000" y="2276872"/>
+            <a:ext cx="7518400" cy="2679700"/>
           </a:xfrm>
+          <a:prstGeom prst="rect">
+            <a:avLst/>
+          </a:prstGeom>
         </p:spPr>
       </p:pic>
+      <p:sp>
+        <p:nvSpPr>
+          <p:cNvPr id="11" name="内容占位符 10">
+            <a:extLst>
+              <a:ext uri="{FF2B5EF4-FFF2-40B4-BE49-F238E27FC236}">
+                <a16:creationId xmlns:a16="http://schemas.microsoft.com/office/drawing/2014/main" id="{2317121D-76E7-F6AB-0175-133FA84B228F}"/>
+              </a:ext>
+            </a:extLst>
+          </p:cNvPr>
+          <p:cNvSpPr>
+            <a:spLocks noGrp="1"/>
+          </p:cNvSpPr>
+          <p:nvPr>
+            <p:ph idx="1"/>
+          </p:nvPr>
+        </p:nvSpPr>
+        <p:spPr/>
+        <p:txBody>
+          <a:bodyPr/>
+          <a:lstStyle/>
+          <a:p>
+            <a:endParaRPr lang="zh-CN" altLang="en-US" dirty="0"/>
+          </a:p>
+        </p:txBody>
+      </p:sp>
     </p:spTree>
     <p:extLst>
       <p:ext uri="{BB962C8B-B14F-4D97-AF65-F5344CB8AC3E}">
@@ -11585,10 +11611,10 @@
       </p:sp>
       <p:pic>
         <p:nvPicPr>
-          <p:cNvPr id="5" name="内容占位符 4">
+          <p:cNvPr id="7" name="内容占位符 6">
             <a:extLst>
               <a:ext uri="{FF2B5EF4-FFF2-40B4-BE49-F238E27FC236}">
-                <a16:creationId xmlns:a16="http://schemas.microsoft.com/office/drawing/2014/main" id="{B4D86ADD-56D6-4C4A-255A-6C20DD0D9C72}"/>
+                <a16:creationId xmlns:a16="http://schemas.microsoft.com/office/drawing/2014/main" id="{41752926-8028-49E2-FA05-FF23D96DDE47}"/>
               </a:ext>
             </a:extLst>
           </p:cNvPr>
@@ -11613,8 +11639,8 @@
         </p:blipFill>
         <p:spPr>
           <a:xfrm>
-            <a:off x="584200" y="2132856"/>
-            <a:ext cx="7366000" cy="2933700"/>
+            <a:off x="508000" y="2204864"/>
+            <a:ext cx="7518400" cy="2679700"/>
           </a:xfrm>
         </p:spPr>
       </p:pic>
@@ -13776,11 +13802,7 @@
             </a:r>
             <a:r>
               <a:rPr kumimoji="1" lang="zh-CN" altLang="en-US" dirty="0"/>
-              <a:t>数据库，便于信息大屏的实现和</a:t>
-            </a:r>
-            <a:r>
-              <a:rPr kumimoji="1" lang="zh-CN" altLang="en-US"/>
-              <a:t>后续的处理。</a:t>
+              <a:t>数据库，便于信息大屏的实现和后续的处理。</a:t>
             </a:r>
             <a:endParaRPr kumimoji="1" lang="en-US" altLang="zh-CN" dirty="0"/>
           </a:p>
